--- a/presentatie/presentatie_maio_v3.pptx
+++ b/presentatie/presentatie_maio_v3.pptx
@@ -7980,8 +7980,8 @@
           </a:p>
         </p:txBody>
       </p:sp>
-      <mc:AlternateContent xmlns:mc="http://schemas.openxmlformats.org/markup-compatibility/2006">
-        <mc:Choice xmlns:a14="http://schemas.microsoft.com/office/drawing/2010/main" Requires="a14">
+      <mc:AlternateContent xmlns:mc="http://schemas.openxmlformats.org/markup-compatibility/2006" xmlns:a14="http://schemas.microsoft.com/office/drawing/2010/main">
+        <mc:Choice Requires="a14">
           <p:sp>
             <p:nvSpPr>
               <p:cNvPr id="7" name="Tekstvak 6">
@@ -8069,7 +8069,7 @@
             </p:txBody>
           </p:sp>
         </mc:Choice>
-        <mc:Fallback>
+        <mc:Fallback xmlns="">
           <p:sp>
             <p:nvSpPr>
               <p:cNvPr id="7" name="Tekstvak 6">

--- a/presentatie/presentatie_maio_v3.pptx
+++ b/presentatie/presentatie_maio_v3.pptx
@@ -7501,7 +7501,7 @@
             </a:r>
             <a:r>
               <a:rPr lang="nl-NL" dirty="0" err="1"/>
-              <a:t>somewhat</a:t>
+              <a:t>slighly</a:t>
             </a:r>
             <a:r>
               <a:rPr lang="nl-NL" dirty="0"/>
@@ -7513,7 +7513,15 @@
             </a:r>
             <a:r>
               <a:rPr lang="nl-NL" dirty="0"/>
-              <a:t>) </a:t>
+              <a:t> in </a:t>
+            </a:r>
+            <a:r>
+              <a:rPr lang="nl-NL" dirty="0" err="1"/>
+              <a:t>ablation</a:t>
+            </a:r>
+            <a:r>
+              <a:rPr lang="nl-NL" dirty="0"/>
+              <a:t> zone) </a:t>
             </a:r>
             <a:r>
               <a:rPr lang="nl-NL" dirty="0" err="1"/>
